--- a/JDBC.pptx
+++ b/JDBC.pptx
@@ -9,6 +9,9 @@
     <p:sldId id="257" r:id="rId3"/>
     <p:sldId id="258" r:id="rId4"/>
     <p:sldId id="259" r:id="rId5"/>
+    <p:sldId id="260" r:id="rId6"/>
+    <p:sldId id="261" r:id="rId7"/>
+    <p:sldId id="262" r:id="rId8"/>
   </p:sldIdLst>
   <p:sldSz cx="9144000" cy="6858000" type="screen4x3"/>
   <p:notesSz cx="6858000" cy="9144000"/>
@@ -291,7 +294,7 @@
           <a:p>
             <a:fld id="{56AFAD91-5203-4407-B49C-C460E3663114}" type="datetimeFigureOut">
               <a:rPr lang="en-US" smtClean="0"/>
-              <a:t>2/12/2018</a:t>
+              <a:t>2/13/2018</a:t>
             </a:fld>
             <a:endParaRPr lang="en-US"/>
           </a:p>
@@ -461,7 +464,7 @@
           <a:p>
             <a:fld id="{56AFAD91-5203-4407-B49C-C460E3663114}" type="datetimeFigureOut">
               <a:rPr lang="en-US" smtClean="0"/>
-              <a:t>2/12/2018</a:t>
+              <a:t>2/13/2018</a:t>
             </a:fld>
             <a:endParaRPr lang="en-US"/>
           </a:p>
@@ -641,7 +644,7 @@
           <a:p>
             <a:fld id="{56AFAD91-5203-4407-B49C-C460E3663114}" type="datetimeFigureOut">
               <a:rPr lang="en-US" smtClean="0"/>
-              <a:t>2/12/2018</a:t>
+              <a:t>2/13/2018</a:t>
             </a:fld>
             <a:endParaRPr lang="en-US"/>
           </a:p>
@@ -811,7 +814,7 @@
           <a:p>
             <a:fld id="{56AFAD91-5203-4407-B49C-C460E3663114}" type="datetimeFigureOut">
               <a:rPr lang="en-US" smtClean="0"/>
-              <a:t>2/12/2018</a:t>
+              <a:t>2/13/2018</a:t>
             </a:fld>
             <a:endParaRPr lang="en-US"/>
           </a:p>
@@ -1057,7 +1060,7 @@
           <a:p>
             <a:fld id="{56AFAD91-5203-4407-B49C-C460E3663114}" type="datetimeFigureOut">
               <a:rPr lang="en-US" smtClean="0"/>
-              <a:t>2/12/2018</a:t>
+              <a:t>2/13/2018</a:t>
             </a:fld>
             <a:endParaRPr lang="en-US"/>
           </a:p>
@@ -1345,7 +1348,7 @@
           <a:p>
             <a:fld id="{56AFAD91-5203-4407-B49C-C460E3663114}" type="datetimeFigureOut">
               <a:rPr lang="en-US" smtClean="0"/>
-              <a:t>2/12/2018</a:t>
+              <a:t>2/13/2018</a:t>
             </a:fld>
             <a:endParaRPr lang="en-US"/>
           </a:p>
@@ -1767,7 +1770,7 @@
           <a:p>
             <a:fld id="{56AFAD91-5203-4407-B49C-C460E3663114}" type="datetimeFigureOut">
               <a:rPr lang="en-US" smtClean="0"/>
-              <a:t>2/12/2018</a:t>
+              <a:t>2/13/2018</a:t>
             </a:fld>
             <a:endParaRPr lang="en-US"/>
           </a:p>
@@ -1885,7 +1888,7 @@
           <a:p>
             <a:fld id="{56AFAD91-5203-4407-B49C-C460E3663114}" type="datetimeFigureOut">
               <a:rPr lang="en-US" smtClean="0"/>
-              <a:t>2/12/2018</a:t>
+              <a:t>2/13/2018</a:t>
             </a:fld>
             <a:endParaRPr lang="en-US"/>
           </a:p>
@@ -1980,7 +1983,7 @@
           <a:p>
             <a:fld id="{56AFAD91-5203-4407-B49C-C460E3663114}" type="datetimeFigureOut">
               <a:rPr lang="en-US" smtClean="0"/>
-              <a:t>2/12/2018</a:t>
+              <a:t>2/13/2018</a:t>
             </a:fld>
             <a:endParaRPr lang="en-US"/>
           </a:p>
@@ -2257,7 +2260,7 @@
           <a:p>
             <a:fld id="{56AFAD91-5203-4407-B49C-C460E3663114}" type="datetimeFigureOut">
               <a:rPr lang="en-US" smtClean="0"/>
-              <a:t>2/12/2018</a:t>
+              <a:t>2/13/2018</a:t>
             </a:fld>
             <a:endParaRPr lang="en-US"/>
           </a:p>
@@ -2510,7 +2513,7 @@
           <a:p>
             <a:fld id="{56AFAD91-5203-4407-B49C-C460E3663114}" type="datetimeFigureOut">
               <a:rPr lang="en-US" smtClean="0"/>
-              <a:t>2/12/2018</a:t>
+              <a:t>2/13/2018</a:t>
             </a:fld>
             <a:endParaRPr lang="en-US"/>
           </a:p>
@@ -2723,7 +2726,7 @@
           <a:p>
             <a:fld id="{56AFAD91-5203-4407-B49C-C460E3663114}" type="datetimeFigureOut">
               <a:rPr lang="en-US" smtClean="0"/>
-              <a:t>2/12/2018</a:t>
+              <a:t>2/13/2018</a:t>
             </a:fld>
             <a:endParaRPr lang="en-US"/>
           </a:p>
@@ -3585,24 +3588,28 @@
             </a:r>
           </a:p>
           <a:p>
+            <a:pPr algn="just"/>
             <a:r>
               <a:rPr lang="sk-SK" dirty="0" smtClean="0"/>
               <a:t>Slúži na pripojenie k databáze</a:t>
             </a:r>
           </a:p>
           <a:p>
+            <a:pPr algn="just"/>
             <a:r>
               <a:rPr lang="sk-SK" dirty="0" smtClean="0"/>
               <a:t>CONN_STR definuje typ spojenia, driver, URL, meno, heslo prípadne ďalšie špecifické nastavnia pre daný typ databázy</a:t>
             </a:r>
           </a:p>
           <a:p>
+            <a:pPr algn="just"/>
             <a:r>
               <a:rPr lang="sk-SK" dirty="0" smtClean="0"/>
               <a:t>Neúspešný pokus končí SQLException</a:t>
             </a:r>
           </a:p>
           <a:p>
+            <a:pPr algn="just"/>
             <a:r>
               <a:rPr lang="sk-SK" dirty="0" smtClean="0"/>
               <a:t>Príklady pripojenia:</a:t>
@@ -3677,7 +3684,7 @@
           <a:p>
             <a:r>
               <a:rPr lang="sk-SK" dirty="0" smtClean="0"/>
-              <a:t>PreparedStatement</a:t>
+              <a:t>PreparedStatement - Insert</a:t>
             </a:r>
             <a:endParaRPr lang="en-US" dirty="0"/>
           </a:p>
@@ -3705,9 +3712,34 @@
             </a:pPr>
             <a:r>
               <a:rPr lang="sk-SK" sz="2400" dirty="0" smtClean="0"/>
-              <a:t>Vykonávanie opakujúcich sa SQL statementov</a:t>
-            </a:r>
-            <a:endParaRPr lang="en-US" sz="2400" dirty="0"/>
+              <a:t>Vykonávanie opakujúcich sa SQL </a:t>
+            </a:r>
+            <a:r>
+              <a:rPr lang="sk-SK" sz="2400" dirty="0" smtClean="0"/>
+              <a:t>statementov</a:t>
+            </a:r>
+            <a:endParaRPr lang="en-US" sz="2400" dirty="0" smtClean="0"/>
+          </a:p>
+          <a:p>
+            <a:pPr marL="0" indent="0">
+              <a:buNone/>
+            </a:pPr>
+            <a:r>
+              <a:rPr lang="en-US" sz="2400" dirty="0" err="1" smtClean="0"/>
+              <a:t>Pri</a:t>
+            </a:r>
+            <a:r>
+              <a:rPr lang="en-US" sz="2400" dirty="0" smtClean="0"/>
+              <a:t> </a:t>
+            </a:r>
+            <a:r>
+              <a:rPr lang="en-US" sz="2400" dirty="0" err="1" smtClean="0"/>
+              <a:t>spr</a:t>
+            </a:r>
+            <a:r>
+              <a:rPr lang="sk-SK" sz="2400" dirty="0" smtClean="0"/>
+              <a:t>ávnom použití chráni pred SQL injection</a:t>
+            </a:r>
           </a:p>
           <a:p>
             <a:pPr marL="0" indent="0">
@@ -3721,7 +3753,11 @@
             </a:pPr>
             <a:r>
               <a:rPr lang="en-US" sz="2400" b="1" dirty="0"/>
-              <a:t>public static void </a:t>
+              <a:t>public </a:t>
+            </a:r>
+            <a:r>
+              <a:rPr lang="en-US" sz="2400" b="1" dirty="0" smtClean="0"/>
+              <a:t>void </a:t>
             </a:r>
             <a:r>
               <a:rPr lang="en-US" sz="2400" b="1" dirty="0" err="1"/>
@@ -3960,8 +3996,12 @@
               <a:buNone/>
             </a:pPr>
             <a:r>
-              <a:rPr lang="en-US" sz="2400" smtClean="0"/>
-              <a:t>		e.printStackTrace</a:t>
+              <a:rPr lang="en-US" sz="2400" dirty="0" smtClean="0"/>
+              <a:t>		</a:t>
+            </a:r>
+            <a:r>
+              <a:rPr lang="en-US" sz="2400" dirty="0" err="1" smtClean="0"/>
+              <a:t>e.printStackTrace</a:t>
             </a:r>
             <a:r>
               <a:rPr lang="en-US" sz="2400" dirty="0"/>
@@ -4005,6 +4045,665 @@
     <p:extLst>
       <p:ext uri="{BB962C8B-B14F-4D97-AF65-F5344CB8AC3E}">
         <p14:creationId xmlns:p14="http://schemas.microsoft.com/office/powerpoint/2010/main" val="3648412470"/>
+      </p:ext>
+    </p:extLst>
+  </p:cSld>
+  <p:clrMapOvr>
+    <a:masterClrMapping/>
+  </p:clrMapOvr>
+</p:sld>
+</file>
+
+<file path=ppt/slides/slide5.xml><?xml version="1.0" encoding="utf-8"?>
+<p:sld xmlns:a="http://schemas.openxmlformats.org/drawingml/2006/main" xmlns:r="http://schemas.openxmlformats.org/officeDocument/2006/relationships" xmlns:p="http://schemas.openxmlformats.org/presentationml/2006/main">
+  <p:cSld>
+    <p:spTree>
+      <p:nvGrpSpPr>
+        <p:cNvPr id="1" name=""/>
+        <p:cNvGrpSpPr/>
+        <p:nvPr/>
+      </p:nvGrpSpPr>
+      <p:grpSpPr>
+        <a:xfrm>
+          <a:off x="0" y="0"/>
+          <a:ext cx="0" cy="0"/>
+          <a:chOff x="0" y="0"/>
+          <a:chExt cx="0" cy="0"/>
+        </a:xfrm>
+      </p:grpSpPr>
+      <p:sp>
+        <p:nvSpPr>
+          <p:cNvPr id="2" name="Title 1"/>
+          <p:cNvSpPr>
+            <a:spLocks noGrp="1"/>
+          </p:cNvSpPr>
+          <p:nvPr>
+            <p:ph type="title"/>
+          </p:nvPr>
+        </p:nvSpPr>
+        <p:spPr/>
+        <p:txBody>
+          <a:bodyPr/>
+          <a:lstStyle/>
+          <a:p>
+            <a:r>
+              <a:rPr lang="sk-SK" dirty="0" smtClean="0"/>
+              <a:t>PreparedStatement - Select</a:t>
+            </a:r>
+            <a:endParaRPr lang="en-US" dirty="0"/>
+          </a:p>
+        </p:txBody>
+      </p:sp>
+      <p:sp>
+        <p:nvSpPr>
+          <p:cNvPr id="3" name="Content Placeholder 2"/>
+          <p:cNvSpPr>
+            <a:spLocks noGrp="1"/>
+          </p:cNvSpPr>
+          <p:nvPr>
+            <p:ph idx="1"/>
+          </p:nvPr>
+        </p:nvSpPr>
+        <p:spPr/>
+        <p:txBody>
+          <a:bodyPr>
+            <a:noAutofit/>
+          </a:bodyPr>
+          <a:lstStyle/>
+          <a:p>
+            <a:pPr marL="0" indent="0">
+              <a:buNone/>
+            </a:pPr>
+            <a:r>
+              <a:rPr lang="en-US" sz="1500" b="1" dirty="0" smtClean="0"/>
+              <a:t>public </a:t>
+            </a:r>
+            <a:r>
+              <a:rPr lang="en-US" sz="1500" b="1" dirty="0"/>
+              <a:t>Map&lt;String, Integer&gt; </a:t>
+            </a:r>
+            <a:r>
+              <a:rPr lang="en-US" sz="1500" b="1" dirty="0" err="1"/>
+              <a:t>s</a:t>
+            </a:r>
+            <a:r>
+              <a:rPr lang="en-US" sz="1500" b="1" dirty="0" err="1" smtClean="0"/>
+              <a:t>electRatings</a:t>
+            </a:r>
+            <a:r>
+              <a:rPr lang="en-US" sz="1500" b="1" dirty="0" smtClean="0"/>
+              <a:t>(Connection </a:t>
+            </a:r>
+            <a:r>
+              <a:rPr lang="en-US" sz="1500" b="1" dirty="0"/>
+              <a:t>con, </a:t>
+            </a:r>
+            <a:r>
+              <a:rPr lang="en-US" sz="1500" b="1" dirty="0" err="1"/>
+              <a:t>int</a:t>
+            </a:r>
+            <a:r>
+              <a:rPr lang="en-US" sz="1500" b="1" dirty="0"/>
+              <a:t> </a:t>
+            </a:r>
+            <a:r>
+              <a:rPr lang="en-US" sz="1500" b="1" dirty="0" err="1"/>
+              <a:t>minRating</a:t>
+            </a:r>
+            <a:r>
+              <a:rPr lang="en-US" sz="1500" b="1" dirty="0"/>
+              <a:t>) {</a:t>
+            </a:r>
+          </a:p>
+          <a:p>
+            <a:pPr marL="0" indent="0">
+              <a:buNone/>
+            </a:pPr>
+            <a:r>
+              <a:rPr lang="en-US" sz="1500" b="1" dirty="0" smtClean="0"/>
+              <a:t>	final </a:t>
+            </a:r>
+            <a:r>
+              <a:rPr lang="en-US" sz="1500" b="1" dirty="0"/>
+              <a:t>String </a:t>
+            </a:r>
+            <a:r>
+              <a:rPr lang="en-US" sz="1500" b="1" dirty="0" err="1"/>
+              <a:t>selectRatingStmt</a:t>
+            </a:r>
+            <a:r>
+              <a:rPr lang="en-US" sz="1500" b="1" dirty="0"/>
+              <a:t> = "SELECT `name`, `rate` FROM `rating` WHERE `rate` &gt;= ?";</a:t>
+            </a:r>
+          </a:p>
+          <a:p>
+            <a:pPr marL="0" indent="0">
+              <a:buNone/>
+            </a:pPr>
+            <a:r>
+              <a:rPr lang="en-US" sz="1500" dirty="0" smtClean="0"/>
+              <a:t>	Map&lt;String</a:t>
+            </a:r>
+            <a:r>
+              <a:rPr lang="en-US" sz="1500" dirty="0"/>
+              <a:t>, Integer&gt; </a:t>
+            </a:r>
+            <a:r>
+              <a:rPr lang="en-US" sz="1500" b="1" dirty="0"/>
+              <a:t>results = new </a:t>
+            </a:r>
+            <a:r>
+              <a:rPr lang="en-US" sz="1500" b="1" dirty="0" err="1"/>
+              <a:t>HashMap</a:t>
+            </a:r>
+            <a:r>
+              <a:rPr lang="en-US" sz="1500" b="1" dirty="0"/>
+              <a:t>&lt;&gt;();</a:t>
+            </a:r>
+          </a:p>
+          <a:p>
+            <a:pPr marL="0" indent="0">
+              <a:buNone/>
+            </a:pPr>
+            <a:endParaRPr lang="en-US" sz="1500" dirty="0"/>
+          </a:p>
+          <a:p>
+            <a:pPr marL="0" indent="0">
+              <a:buNone/>
+            </a:pPr>
+            <a:r>
+              <a:rPr lang="en-US" sz="1500" b="1" dirty="0" smtClean="0"/>
+              <a:t>	try </a:t>
+            </a:r>
+            <a:r>
+              <a:rPr lang="en-US" sz="1500" b="1" dirty="0"/>
+              <a:t>(</a:t>
+            </a:r>
+            <a:r>
+              <a:rPr lang="en-US" sz="1500" b="1" dirty="0" err="1"/>
+              <a:t>PreparedStatement</a:t>
+            </a:r>
+            <a:r>
+              <a:rPr lang="en-US" sz="1500" b="1" dirty="0"/>
+              <a:t> </a:t>
+            </a:r>
+            <a:r>
+              <a:rPr lang="en-US" sz="1500" b="1" dirty="0" err="1"/>
+              <a:t>selectRating</a:t>
+            </a:r>
+            <a:r>
+              <a:rPr lang="en-US" sz="1500" b="1" dirty="0"/>
+              <a:t> = </a:t>
+            </a:r>
+            <a:r>
+              <a:rPr lang="en-US" sz="1500" b="1" dirty="0" err="1"/>
+              <a:t>con.prepareStatement</a:t>
+            </a:r>
+            <a:r>
+              <a:rPr lang="en-US" sz="1500" b="1" dirty="0"/>
+              <a:t>(</a:t>
+            </a:r>
+            <a:r>
+              <a:rPr lang="en-US" sz="1500" b="1" dirty="0" err="1"/>
+              <a:t>selectRatingStmt</a:t>
+            </a:r>
+            <a:r>
+              <a:rPr lang="en-US" sz="1500" b="1" dirty="0"/>
+              <a:t>)) {</a:t>
+            </a:r>
+          </a:p>
+          <a:p>
+            <a:pPr marL="0" indent="0">
+              <a:buNone/>
+            </a:pPr>
+            <a:r>
+              <a:rPr lang="en-US" sz="1500" dirty="0" smtClean="0"/>
+              <a:t>		</a:t>
+            </a:r>
+            <a:r>
+              <a:rPr lang="en-US" sz="1500" dirty="0" err="1" smtClean="0"/>
+              <a:t>selectRating.setInt</a:t>
+            </a:r>
+            <a:r>
+              <a:rPr lang="en-US" sz="1500" dirty="0" smtClean="0"/>
+              <a:t>(1</a:t>
+            </a:r>
+            <a:r>
+              <a:rPr lang="en-US" sz="1500" dirty="0"/>
+              <a:t>, </a:t>
+            </a:r>
+            <a:r>
+              <a:rPr lang="en-US" sz="1500" dirty="0" err="1"/>
+              <a:t>minRating</a:t>
+            </a:r>
+            <a:r>
+              <a:rPr lang="en-US" sz="1500" dirty="0"/>
+              <a:t>);</a:t>
+            </a:r>
+          </a:p>
+          <a:p>
+            <a:pPr marL="0" indent="0">
+              <a:buNone/>
+            </a:pPr>
+            <a:r>
+              <a:rPr lang="en-US" sz="1500" b="1" dirty="0" smtClean="0"/>
+              <a:t>		try </a:t>
+            </a:r>
+            <a:r>
+              <a:rPr lang="en-US" sz="1500" b="1" dirty="0"/>
+              <a:t>(</a:t>
+            </a:r>
+            <a:r>
+              <a:rPr lang="en-US" sz="1500" b="1" dirty="0" err="1"/>
+              <a:t>ResultSet</a:t>
+            </a:r>
+            <a:r>
+              <a:rPr lang="en-US" sz="1500" b="1" dirty="0"/>
+              <a:t> ratings = </a:t>
+            </a:r>
+            <a:r>
+              <a:rPr lang="en-US" sz="1500" b="1" dirty="0" err="1"/>
+              <a:t>selectRating.executeQuery</a:t>
+            </a:r>
+            <a:r>
+              <a:rPr lang="en-US" sz="1500" b="1" dirty="0"/>
+              <a:t>()) {</a:t>
+            </a:r>
+          </a:p>
+          <a:p>
+            <a:pPr marL="0" indent="0">
+              <a:buNone/>
+            </a:pPr>
+            <a:r>
+              <a:rPr lang="en-US" sz="1500" b="1" dirty="0" smtClean="0"/>
+              <a:t>			while </a:t>
+            </a:r>
+            <a:r>
+              <a:rPr lang="en-US" sz="1500" b="1" dirty="0"/>
+              <a:t>(</a:t>
+            </a:r>
+            <a:r>
+              <a:rPr lang="en-US" sz="1500" b="1" dirty="0" err="1"/>
+              <a:t>ratings.next</a:t>
+            </a:r>
+            <a:r>
+              <a:rPr lang="en-US" sz="1500" b="1" dirty="0"/>
+              <a:t>()) {</a:t>
+            </a:r>
+          </a:p>
+          <a:p>
+            <a:pPr marL="0" indent="0">
+              <a:buNone/>
+            </a:pPr>
+            <a:r>
+              <a:rPr lang="en-US" sz="1500" dirty="0" smtClean="0"/>
+              <a:t>			</a:t>
+            </a:r>
+            <a:r>
+              <a:rPr lang="en-US" sz="1500" dirty="0" err="1" smtClean="0"/>
+              <a:t>results.put</a:t>
+            </a:r>
+            <a:r>
+              <a:rPr lang="en-US" sz="1500" dirty="0" smtClean="0"/>
+              <a:t>(</a:t>
+            </a:r>
+            <a:r>
+              <a:rPr lang="en-US" sz="1500" dirty="0" err="1" smtClean="0"/>
+              <a:t>ratings.getString</a:t>
+            </a:r>
+            <a:r>
+              <a:rPr lang="en-US" sz="1500" dirty="0"/>
+              <a:t>("name"), </a:t>
+            </a:r>
+            <a:r>
+              <a:rPr lang="en-US" sz="1500" dirty="0" err="1"/>
+              <a:t>ratings.getInt</a:t>
+            </a:r>
+            <a:r>
+              <a:rPr lang="en-US" sz="1500" dirty="0"/>
+              <a:t>("rate"));</a:t>
+            </a:r>
+          </a:p>
+          <a:p>
+            <a:pPr marL="0" indent="0">
+              <a:buNone/>
+            </a:pPr>
+            <a:r>
+              <a:rPr lang="en-US" sz="1500" dirty="0" smtClean="0"/>
+              <a:t>			}</a:t>
+            </a:r>
+            <a:endParaRPr lang="en-US" sz="1500" dirty="0"/>
+          </a:p>
+          <a:p>
+            <a:pPr marL="0" indent="0">
+              <a:buNone/>
+            </a:pPr>
+            <a:r>
+              <a:rPr lang="en-US" sz="1500" dirty="0" smtClean="0"/>
+              <a:t>		}</a:t>
+            </a:r>
+            <a:endParaRPr lang="en-US" sz="1500" dirty="0"/>
+          </a:p>
+          <a:p>
+            <a:pPr marL="0" indent="0">
+              <a:buNone/>
+            </a:pPr>
+            <a:r>
+              <a:rPr lang="en-US" sz="1500" dirty="0" smtClean="0"/>
+              <a:t>	} </a:t>
+            </a:r>
+            <a:r>
+              <a:rPr lang="en-US" sz="1500" b="1" dirty="0"/>
+              <a:t>catch (</a:t>
+            </a:r>
+            <a:r>
+              <a:rPr lang="en-US" sz="1500" b="1" dirty="0" err="1"/>
+              <a:t>SQLException</a:t>
+            </a:r>
+            <a:r>
+              <a:rPr lang="en-US" sz="1500" b="1" dirty="0"/>
+              <a:t> e) {</a:t>
+            </a:r>
+          </a:p>
+          <a:p>
+            <a:pPr marL="0" indent="0">
+              <a:buNone/>
+            </a:pPr>
+            <a:r>
+              <a:rPr lang="en-US" sz="1500" dirty="0" smtClean="0"/>
+              <a:t>		</a:t>
+            </a:r>
+            <a:r>
+              <a:rPr lang="en-US" sz="1500" dirty="0" err="1" smtClean="0"/>
+              <a:t>e.printStackTrace</a:t>
+            </a:r>
+            <a:r>
+              <a:rPr lang="en-US" sz="1500" dirty="0"/>
+              <a:t>();</a:t>
+            </a:r>
+          </a:p>
+          <a:p>
+            <a:pPr marL="0" indent="0">
+              <a:buNone/>
+            </a:pPr>
+            <a:r>
+              <a:rPr lang="en-US" sz="1500" dirty="0" smtClean="0"/>
+              <a:t>	}</a:t>
+            </a:r>
+            <a:endParaRPr lang="en-US" sz="1500" dirty="0"/>
+          </a:p>
+          <a:p>
+            <a:pPr marL="0" indent="0">
+              <a:buNone/>
+            </a:pPr>
+            <a:r>
+              <a:rPr lang="en-US" sz="1500" b="1" dirty="0" smtClean="0"/>
+              <a:t>	return </a:t>
+            </a:r>
+            <a:r>
+              <a:rPr lang="en-US" sz="1500" b="1" dirty="0"/>
+              <a:t>results;</a:t>
+            </a:r>
+          </a:p>
+          <a:p>
+            <a:pPr marL="0" indent="0">
+              <a:buNone/>
+            </a:pPr>
+            <a:r>
+              <a:rPr lang="en-US" sz="1500" dirty="0"/>
+              <a:t>}</a:t>
+            </a:r>
+            <a:endParaRPr lang="en-US" sz="1500" dirty="0"/>
+          </a:p>
+        </p:txBody>
+      </p:sp>
+    </p:spTree>
+    <p:extLst>
+      <p:ext uri="{BB962C8B-B14F-4D97-AF65-F5344CB8AC3E}">
+        <p14:creationId xmlns:p14="http://schemas.microsoft.com/office/powerpoint/2010/main" val="387313777"/>
+      </p:ext>
+    </p:extLst>
+  </p:cSld>
+  <p:clrMapOvr>
+    <a:masterClrMapping/>
+  </p:clrMapOvr>
+</p:sld>
+</file>
+
+<file path=ppt/slides/slide6.xml><?xml version="1.0" encoding="utf-8"?>
+<p:sld xmlns:a="http://schemas.openxmlformats.org/drawingml/2006/main" xmlns:r="http://schemas.openxmlformats.org/officeDocument/2006/relationships" xmlns:p="http://schemas.openxmlformats.org/presentationml/2006/main">
+  <p:cSld>
+    <p:spTree>
+      <p:nvGrpSpPr>
+        <p:cNvPr id="1" name=""/>
+        <p:cNvGrpSpPr/>
+        <p:nvPr/>
+      </p:nvGrpSpPr>
+      <p:grpSpPr>
+        <a:xfrm>
+          <a:off x="0" y="0"/>
+          <a:ext cx="0" cy="0"/>
+          <a:chOff x="0" y="0"/>
+          <a:chExt cx="0" cy="0"/>
+        </a:xfrm>
+      </p:grpSpPr>
+      <p:sp>
+        <p:nvSpPr>
+          <p:cNvPr id="2" name="Title 1"/>
+          <p:cNvSpPr>
+            <a:spLocks noGrp="1"/>
+          </p:cNvSpPr>
+          <p:nvPr>
+            <p:ph type="title"/>
+          </p:nvPr>
+        </p:nvSpPr>
+        <p:spPr/>
+        <p:txBody>
+          <a:bodyPr/>
+          <a:lstStyle/>
+          <a:p>
+            <a:r>
+              <a:rPr lang="en-US" dirty="0" smtClean="0"/>
+              <a:t>SQL injection</a:t>
+            </a:r>
+            <a:endParaRPr lang="en-US" dirty="0"/>
+          </a:p>
+        </p:txBody>
+      </p:sp>
+      <p:sp>
+        <p:nvSpPr>
+          <p:cNvPr id="3" name="Content Placeholder 2"/>
+          <p:cNvSpPr>
+            <a:spLocks noGrp="1"/>
+          </p:cNvSpPr>
+          <p:nvPr>
+            <p:ph idx="1"/>
+          </p:nvPr>
+        </p:nvSpPr>
+        <p:spPr/>
+        <p:txBody>
+          <a:bodyPr/>
+          <a:lstStyle/>
+          <a:p>
+            <a:pPr marL="0" indent="0">
+              <a:buNone/>
+            </a:pPr>
+            <a:r>
+              <a:rPr lang="en-US" dirty="0" err="1" smtClean="0"/>
+              <a:t>Pom</a:t>
+            </a:r>
+            <a:r>
+              <a:rPr lang="sk-SK" dirty="0" smtClean="0"/>
+              <a:t>áha útočníkom neoprávnene získať údaje</a:t>
+            </a:r>
+          </a:p>
+          <a:p>
+            <a:pPr marL="0" indent="0">
+              <a:buNone/>
+            </a:pPr>
+            <a:r>
+              <a:rPr lang="en-US" dirty="0" smtClean="0"/>
+              <a:t>“</a:t>
+            </a:r>
+            <a:r>
+              <a:rPr lang="sk-SK" dirty="0" smtClean="0"/>
+              <a:t>SELECT </a:t>
+            </a:r>
+            <a:r>
+              <a:rPr lang="en-US" dirty="0" smtClean="0"/>
+              <a:t>`id`, `name`, `surname`, `role` FROM `account` WHERE `login`=‘”+login+”’ AND `password` = md5(‘”+password+”’);</a:t>
+            </a:r>
+          </a:p>
+          <a:p>
+            <a:pPr marL="0" indent="0">
+              <a:buNone/>
+            </a:pPr>
+            <a:r>
+              <a:rPr lang="en-US" dirty="0" smtClean="0"/>
+              <a:t>login = “</a:t>
+            </a:r>
+            <a:r>
+              <a:rPr lang="en-US" dirty="0" err="1" smtClean="0"/>
+              <a:t>chris</a:t>
+            </a:r>
+            <a:r>
+              <a:rPr lang="en-US" dirty="0" smtClean="0"/>
+              <a:t>’ or ‘1’=‘1”;</a:t>
+            </a:r>
+          </a:p>
+          <a:p>
+            <a:pPr marL="0" indent="0">
+              <a:buNone/>
+            </a:pPr>
+            <a:endParaRPr lang="en-US" dirty="0"/>
+          </a:p>
+          <a:p>
+            <a:pPr marL="0" indent="0">
+              <a:buNone/>
+            </a:pPr>
+            <a:r>
+              <a:rPr lang="en-US" dirty="0" smtClean="0"/>
+              <a:t>M</a:t>
+            </a:r>
+            <a:r>
+              <a:rPr lang="sk-SK" dirty="0" smtClean="0"/>
+              <a:t>ôžeme sa jej vyhnúť použitím PreparedStatement</a:t>
+            </a:r>
+          </a:p>
+        </p:txBody>
+      </p:sp>
+    </p:spTree>
+    <p:extLst>
+      <p:ext uri="{BB962C8B-B14F-4D97-AF65-F5344CB8AC3E}">
+        <p14:creationId xmlns:p14="http://schemas.microsoft.com/office/powerpoint/2010/main" val="3097988498"/>
+      </p:ext>
+    </p:extLst>
+  </p:cSld>
+  <p:clrMapOvr>
+    <a:masterClrMapping/>
+  </p:clrMapOvr>
+</p:sld>
+</file>
+
+<file path=ppt/slides/slide7.xml><?xml version="1.0" encoding="utf-8"?>
+<p:sld xmlns:a="http://schemas.openxmlformats.org/drawingml/2006/main" xmlns:r="http://schemas.openxmlformats.org/officeDocument/2006/relationships" xmlns:p="http://schemas.openxmlformats.org/presentationml/2006/main">
+  <p:cSld>
+    <p:spTree>
+      <p:nvGrpSpPr>
+        <p:cNvPr id="1" name=""/>
+        <p:cNvGrpSpPr/>
+        <p:nvPr/>
+      </p:nvGrpSpPr>
+      <p:grpSpPr>
+        <a:xfrm>
+          <a:off x="0" y="0"/>
+          <a:ext cx="0" cy="0"/>
+          <a:chOff x="0" y="0"/>
+          <a:chExt cx="0" cy="0"/>
+        </a:xfrm>
+      </p:grpSpPr>
+      <p:sp>
+        <p:nvSpPr>
+          <p:cNvPr id="2" name="Title 1"/>
+          <p:cNvSpPr>
+            <a:spLocks noGrp="1"/>
+          </p:cNvSpPr>
+          <p:nvPr>
+            <p:ph type="title"/>
+          </p:nvPr>
+        </p:nvSpPr>
+        <p:spPr/>
+        <p:txBody>
+          <a:bodyPr/>
+          <a:lstStyle/>
+          <a:p>
+            <a:r>
+              <a:rPr lang="sk-SK" dirty="0" smtClean="0"/>
+              <a:t>Service trieda</a:t>
+            </a:r>
+            <a:endParaRPr lang="en-US" dirty="0"/>
+          </a:p>
+        </p:txBody>
+      </p:sp>
+      <p:sp>
+        <p:nvSpPr>
+          <p:cNvPr id="3" name="Content Placeholder 2"/>
+          <p:cNvSpPr>
+            <a:spLocks noGrp="1"/>
+          </p:cNvSpPr>
+          <p:nvPr>
+            <p:ph idx="1"/>
+          </p:nvPr>
+        </p:nvSpPr>
+        <p:spPr/>
+        <p:txBody>
+          <a:bodyPr>
+            <a:normAutofit lnSpcReduction="10000"/>
+          </a:bodyPr>
+          <a:lstStyle/>
+          <a:p>
+            <a:pPr marL="0" indent="0" algn="just">
+              <a:buNone/>
+            </a:pPr>
+            <a:r>
+              <a:rPr lang="sk-SK" dirty="0" smtClean="0"/>
+              <a:t>Vytvorí sa implementáciou interface s potrebnými metódami.</a:t>
+            </a:r>
+          </a:p>
+          <a:p>
+            <a:pPr marL="0" indent="0" algn="just">
+              <a:buNone/>
+            </a:pPr>
+            <a:r>
+              <a:rPr lang="sk-SK" dirty="0" smtClean="0"/>
+              <a:t>Service sa používa na jednotnú implementáciu komunikácie s databázou CRUD &amp; business logiky</a:t>
+            </a:r>
+          </a:p>
+          <a:p>
+            <a:pPr marL="0" indent="0" algn="just">
+              <a:buNone/>
+            </a:pPr>
+            <a:r>
+              <a:rPr lang="sk-SK" dirty="0" smtClean="0"/>
+              <a:t>Na komunikáciu s service používame výhradne interface – potom je možné jednoducho nahradiť servis s inou implementáciou</a:t>
+            </a:r>
+          </a:p>
+          <a:p>
+            <a:pPr marL="0" indent="0" algn="just">
+              <a:buNone/>
+            </a:pPr>
+            <a:r>
+              <a:rPr lang="sk-SK" dirty="0" smtClean="0"/>
+              <a:t>Príklad nájdete v projekte PersonDB</a:t>
+            </a:r>
+            <a:endParaRPr lang="en-US" dirty="0"/>
+          </a:p>
+        </p:txBody>
+      </p:sp>
+    </p:spTree>
+    <p:extLst>
+      <p:ext uri="{BB962C8B-B14F-4D97-AF65-F5344CB8AC3E}">
+        <p14:creationId xmlns:p14="http://schemas.microsoft.com/office/powerpoint/2010/main" val="3716828952"/>
       </p:ext>
     </p:extLst>
   </p:cSld>
